--- a/Samsung/Lesson10/OOP.pptx
+++ b/Samsung/Lesson10/OOP.pptx
@@ -24,8 +24,9 @@
     <p:sldId id="323" r:id="rId18"/>
     <p:sldId id="324" r:id="rId19"/>
     <p:sldId id="325" r:id="rId20"/>
-    <p:sldId id="326" r:id="rId21"/>
-    <p:sldId id="319" r:id="rId22"/>
+    <p:sldId id="327" r:id="rId21"/>
+    <p:sldId id="326" r:id="rId22"/>
+    <p:sldId id="319" r:id="rId23"/>
   </p:sldIdLst>
   <p:sldSz cx="12192000" cy="6858000"/>
   <p:notesSz cx="6858000" cy="9144000"/>
@@ -357,7 +358,7 @@
             <a:fld id="{5586B75A-687E-405C-8A0B-8D00578BA2C3}" type="datetimeFigureOut">
               <a:rPr lang="en-US" dirty="0"/>
               <a:pPr/>
-              <a:t>10/24/2020</a:t>
+              <a:t>10/26/2020</a:t>
             </a:fld>
             <a:endParaRPr lang="en-US" dirty="0"/>
           </a:p>
@@ -524,7 +525,7 @@
             <a:fld id="{5586B75A-687E-405C-8A0B-8D00578BA2C3}" type="datetimeFigureOut">
               <a:rPr lang="en-US" dirty="0"/>
               <a:pPr/>
-              <a:t>10/24/2020</a:t>
+              <a:t>10/26/2020</a:t>
             </a:fld>
             <a:endParaRPr lang="en-US" dirty="0"/>
           </a:p>
@@ -701,7 +702,7 @@
             <a:fld id="{5586B75A-687E-405C-8A0B-8D00578BA2C3}" type="datetimeFigureOut">
               <a:rPr lang="en-US" dirty="0"/>
               <a:pPr/>
-              <a:t>10/24/2020</a:t>
+              <a:t>10/26/2020</a:t>
             </a:fld>
             <a:endParaRPr lang="en-US" dirty="0"/>
           </a:p>
@@ -868,7 +869,7 @@
             <a:fld id="{5586B75A-687E-405C-8A0B-8D00578BA2C3}" type="datetimeFigureOut">
               <a:rPr lang="en-US" dirty="0"/>
               <a:pPr/>
-              <a:t>10/24/2020</a:t>
+              <a:t>10/26/2020</a:t>
             </a:fld>
             <a:endParaRPr lang="en-US" dirty="0"/>
           </a:p>
@@ -1123,7 +1124,7 @@
             <a:fld id="{5586B75A-687E-405C-8A0B-8D00578BA2C3}" type="datetimeFigureOut">
               <a:rPr lang="en-US" dirty="0"/>
               <a:pPr/>
-              <a:t>10/24/2020</a:t>
+              <a:t>10/26/2020</a:t>
             </a:fld>
             <a:endParaRPr lang="en-US" dirty="0"/>
           </a:p>
@@ -1408,7 +1409,7 @@
             <a:fld id="{5586B75A-687E-405C-8A0B-8D00578BA2C3}" type="datetimeFigureOut">
               <a:rPr lang="en-US" dirty="0"/>
               <a:pPr/>
-              <a:t>10/24/2020</a:t>
+              <a:t>10/26/2020</a:t>
             </a:fld>
             <a:endParaRPr lang="en-US" dirty="0"/>
           </a:p>
@@ -1847,7 +1848,7 @@
             <a:fld id="{5586B75A-687E-405C-8A0B-8D00578BA2C3}" type="datetimeFigureOut">
               <a:rPr lang="en-US" dirty="0"/>
               <a:pPr/>
-              <a:t>10/24/2020</a:t>
+              <a:t>10/26/2020</a:t>
             </a:fld>
             <a:endParaRPr lang="en-US" dirty="0"/>
           </a:p>
@@ -1962,7 +1963,7 @@
             <a:fld id="{5586B75A-687E-405C-8A0B-8D00578BA2C3}" type="datetimeFigureOut">
               <a:rPr lang="en-US" dirty="0"/>
               <a:pPr/>
-              <a:t>10/24/2020</a:t>
+              <a:t>10/26/2020</a:t>
             </a:fld>
             <a:endParaRPr lang="en-US" dirty="0"/>
           </a:p>
@@ -2054,7 +2055,7 @@
             <a:fld id="{5586B75A-687E-405C-8A0B-8D00578BA2C3}" type="datetimeFigureOut">
               <a:rPr lang="en-US" dirty="0"/>
               <a:pPr/>
-              <a:t>10/24/2020</a:t>
+              <a:t>10/26/2020</a:t>
             </a:fld>
             <a:endParaRPr lang="en-US" dirty="0"/>
           </a:p>
@@ -2339,7 +2340,7 @@
             <a:fld id="{5586B75A-687E-405C-8A0B-8D00578BA2C3}" type="datetimeFigureOut">
               <a:rPr lang="en-US" dirty="0"/>
               <a:pPr/>
-              <a:t>10/24/2020</a:t>
+              <a:t>10/26/2020</a:t>
             </a:fld>
             <a:endParaRPr lang="en-US" dirty="0"/>
           </a:p>
@@ -2609,7 +2610,7 @@
             <a:fld id="{5586B75A-687E-405C-8A0B-8D00578BA2C3}" type="datetimeFigureOut">
               <a:rPr lang="en-US" dirty="0"/>
               <a:pPr/>
-              <a:t>10/24/2020</a:t>
+              <a:t>10/26/2020</a:t>
             </a:fld>
             <a:endParaRPr lang="en-US" dirty="0"/>
           </a:p>
@@ -2903,7 +2904,7 @@
             <a:fld id="{5586B75A-687E-405C-8A0B-8D00578BA2C3}" type="datetimeFigureOut">
               <a:rPr lang="en-US" dirty="0"/>
               <a:pPr/>
-              <a:t>10/24/2020</a:t>
+              <a:t>10/26/2020</a:t>
             </a:fld>
             <a:endParaRPr lang="en-US" dirty="0"/>
           </a:p>
@@ -14322,7 +14323,7 @@
                 </a:solidFill>
                 <a:latin typeface="Consolas" panose="020B0609020204030204" pitchFamily="49" charset="0"/>
               </a:rPr>
-              <a:t>    }</a:t>
+              <a:t>}</a:t>
             </a:r>
             <a:br>
               <a:rPr lang="ru-RU" altLang="ru-RU" dirty="0">
@@ -14725,7 +14726,7 @@
                 </a:solidFill>
                 <a:latin typeface="Consolas" panose="020B0609020204030204" pitchFamily="49" charset="0"/>
               </a:rPr>
-              <a:t>    }</a:t>
+              <a:t>}</a:t>
             </a:r>
             <a:endParaRPr lang="ru-RU" dirty="0"/>
           </a:p>
@@ -14860,7 +14861,7 @@
         <p:spPr>
           <a:xfrm>
             <a:off x="5420161" y="3786085"/>
-            <a:ext cx="6095996" cy="2277718"/>
+            <a:ext cx="6095996" cy="1938895"/>
           </a:xfrm>
           <a:prstGeom prst="rect">
             <a:avLst/>
@@ -17961,6 +17962,1570 @@
           <a:chExt cx="0" cy="0"/>
         </a:xfrm>
       </p:grpSpPr>
+      <p:sp>
+        <p:nvSpPr>
+          <p:cNvPr id="139" name="Rectangle 138">
+            <a:extLst>
+              <a:ext uri="{FF2B5EF4-FFF2-40B4-BE49-F238E27FC236}">
+                <a16:creationId xmlns:a16="http://schemas.microsoft.com/office/drawing/2014/main" id="{43162304-DA60-4C31-9E2B-E22F8DA75FF5}"/>
+              </a:ext>
+              <a:ext uri="{C183D7F6-B498-43B3-948B-1728B52AA6E4}">
+                <adec:decorative xmlns:adec="http://schemas.microsoft.com/office/drawing/2017/decorative" val="1"/>
+              </a:ext>
+            </a:extLst>
+          </p:cNvPr>
+          <p:cNvSpPr>
+            <a:spLocks noGrp="1" noRot="1" noChangeAspect="1" noMove="1" noResize="1" noEditPoints="1" noAdjustHandles="1" noChangeArrowheads="1" noChangeShapeType="1" noTextEdit="1"/>
+          </p:cNvSpPr>
+          <p:nvPr>
+            <p:extLst>
+              <p:ext uri="{386F3935-93C4-4BCD-93E2-E3B085C9AB24}">
+                <p16:designElem xmlns:p16="http://schemas.microsoft.com/office/powerpoint/2015/main" val="1"/>
+              </p:ext>
+            </p:extLst>
+          </p:nvPr>
+        </p:nvSpPr>
+        <p:spPr>
+          <a:xfrm>
+            <a:off x="1" y="758952"/>
+            <a:ext cx="3443590" cy="5330952"/>
+          </a:xfrm>
+          <a:prstGeom prst="rect">
+            <a:avLst/>
+          </a:prstGeom>
+          <a:solidFill>
+            <a:schemeClr val="accent1"/>
+          </a:solidFill>
+          <a:ln>
+            <a:noFill/>
+          </a:ln>
+        </p:spPr>
+        <p:style>
+          <a:lnRef idx="2">
+            <a:schemeClr val="accent1">
+              <a:shade val="50000"/>
+            </a:schemeClr>
+          </a:lnRef>
+          <a:fillRef idx="1">
+            <a:schemeClr val="accent1"/>
+          </a:fillRef>
+          <a:effectRef idx="0">
+            <a:schemeClr val="accent1"/>
+          </a:effectRef>
+          <a:fontRef idx="minor">
+            <a:schemeClr val="lt1"/>
+          </a:fontRef>
+        </p:style>
+      </p:sp>
+      <p:sp>
+        <p:nvSpPr>
+          <p:cNvPr id="141" name="Rectangle 140">
+            <a:extLst>
+              <a:ext uri="{FF2B5EF4-FFF2-40B4-BE49-F238E27FC236}">
+                <a16:creationId xmlns:a16="http://schemas.microsoft.com/office/drawing/2014/main" id="{C4AE1EFF-264A-4A42-BEA1-0E875F40D74F}"/>
+              </a:ext>
+              <a:ext uri="{C183D7F6-B498-43B3-948B-1728B52AA6E4}">
+                <adec:decorative xmlns:adec="http://schemas.microsoft.com/office/drawing/2017/decorative" val="1"/>
+              </a:ext>
+            </a:extLst>
+          </p:cNvPr>
+          <p:cNvSpPr>
+            <a:spLocks noGrp="1" noRot="1" noChangeAspect="1" noMove="1" noResize="1" noEditPoints="1" noAdjustHandles="1" noChangeArrowheads="1" noChangeShapeType="1" noTextEdit="1"/>
+          </p:cNvSpPr>
+          <p:nvPr>
+            <p:extLst>
+              <p:ext uri="{386F3935-93C4-4BCD-93E2-E3B085C9AB24}">
+                <p16:designElem xmlns:p16="http://schemas.microsoft.com/office/powerpoint/2015/main" val="1"/>
+              </p:ext>
+            </p:extLst>
+          </p:nvPr>
+        </p:nvSpPr>
+        <p:spPr>
+          <a:xfrm>
+            <a:off x="11815864" y="758952"/>
+            <a:ext cx="384048" cy="5330952"/>
+          </a:xfrm>
+          <a:prstGeom prst="rect">
+            <a:avLst/>
+          </a:prstGeom>
+          <a:solidFill>
+            <a:srgbClr val="C8C8C8">
+              <a:alpha val="49804"/>
+            </a:srgbClr>
+          </a:solidFill>
+          <a:ln>
+            <a:noFill/>
+          </a:ln>
+        </p:spPr>
+        <p:style>
+          <a:lnRef idx="2">
+            <a:schemeClr val="accent1">
+              <a:shade val="50000"/>
+            </a:schemeClr>
+          </a:lnRef>
+          <a:fillRef idx="1">
+            <a:schemeClr val="accent1"/>
+          </a:fillRef>
+          <a:effectRef idx="0">
+            <a:schemeClr val="accent1"/>
+          </a:effectRef>
+          <a:fontRef idx="minor">
+            <a:schemeClr val="lt1"/>
+          </a:fontRef>
+        </p:style>
+      </p:sp>
+      <p:sp useBgFill="1">
+        <p:nvSpPr>
+          <p:cNvPr id="143" name="Rectangle 142">
+            <a:extLst>
+              <a:ext uri="{FF2B5EF4-FFF2-40B4-BE49-F238E27FC236}">
+                <a16:creationId xmlns:a16="http://schemas.microsoft.com/office/drawing/2014/main" id="{80516254-1D9F-4F3A-9870-3A3280BE2BFE}"/>
+              </a:ext>
+              <a:ext uri="{C183D7F6-B498-43B3-948B-1728B52AA6E4}">
+                <adec:decorative xmlns:adec="http://schemas.microsoft.com/office/drawing/2017/decorative" val="1"/>
+              </a:ext>
+            </a:extLst>
+          </p:cNvPr>
+          <p:cNvSpPr>
+            <a:spLocks noGrp="1" noRot="1" noChangeAspect="1" noMove="1" noResize="1" noEditPoints="1" noAdjustHandles="1" noChangeArrowheads="1" noChangeShapeType="1" noTextEdit="1"/>
+          </p:cNvSpPr>
+          <p:nvPr>
+            <p:extLst>
+              <p:ext uri="{386F3935-93C4-4BCD-93E2-E3B085C9AB24}">
+                <p16:designElem xmlns:p16="http://schemas.microsoft.com/office/powerpoint/2015/main" val="1"/>
+              </p:ext>
+            </p:extLst>
+          </p:nvPr>
+        </p:nvSpPr>
+        <p:spPr>
+          <a:xfrm>
+            <a:off x="0" y="0"/>
+            <a:ext cx="12192000" cy="6858000"/>
+          </a:xfrm>
+          <a:prstGeom prst="rect">
+            <a:avLst/>
+          </a:prstGeom>
+          <a:ln>
+            <a:noFill/>
+          </a:ln>
+        </p:spPr>
+        <p:style>
+          <a:lnRef idx="2">
+            <a:schemeClr val="accent1">
+              <a:shade val="50000"/>
+            </a:schemeClr>
+          </a:lnRef>
+          <a:fillRef idx="1">
+            <a:schemeClr val="accent1"/>
+          </a:fillRef>
+          <a:effectRef idx="0">
+            <a:schemeClr val="accent1"/>
+          </a:effectRef>
+          <a:fontRef idx="minor">
+            <a:schemeClr val="lt1"/>
+          </a:fontRef>
+        </p:style>
+      </p:sp>
+      <p:sp>
+        <p:nvSpPr>
+          <p:cNvPr id="10" name="TextBox 9">
+            <a:extLst>
+              <a:ext uri="{FF2B5EF4-FFF2-40B4-BE49-F238E27FC236}">
+                <a16:creationId xmlns:a16="http://schemas.microsoft.com/office/drawing/2014/main" id="{72ECF23A-A12E-4D15-A1AB-4C5A0796B4D0}"/>
+              </a:ext>
+            </a:extLst>
+          </p:cNvPr>
+          <p:cNvSpPr txBox="1"/>
+          <p:nvPr/>
+        </p:nvSpPr>
+        <p:spPr>
+          <a:xfrm>
+            <a:off x="1539116" y="864108"/>
+            <a:ext cx="3183804" cy="5120639"/>
+          </a:xfrm>
+          <a:prstGeom prst="rect">
+            <a:avLst/>
+          </a:prstGeom>
+        </p:spPr>
+        <p:txBody>
+          <a:bodyPr vert="horz" lIns="91440" tIns="45720" rIns="91440" bIns="45720" rtlCol="0" anchor="ctr">
+            <a:normAutofit/>
+          </a:bodyPr>
+          <a:lstStyle/>
+          <a:p>
+            <a:pPr defTabSz="914400">
+              <a:lnSpc>
+                <a:spcPct val="90000"/>
+              </a:lnSpc>
+              <a:spcBef>
+                <a:spcPct val="0"/>
+              </a:spcBef>
+              <a:spcAft>
+                <a:spcPts val="600"/>
+              </a:spcAft>
+            </a:pPr>
+            <a:r>
+              <a:rPr lang="ru-RU" altLang="ru-RU" sz="3600" b="1" spc="-60" dirty="0">
+                <a:solidFill>
+                  <a:schemeClr val="accent4">
+                    <a:lumMod val="75000"/>
+                  </a:schemeClr>
+                </a:solidFill>
+                <a:latin typeface="+mj-lt"/>
+                <a:ea typeface="+mj-ea"/>
+                <a:cs typeface="+mj-cs"/>
+              </a:rPr>
+              <a:t>Перегрузка</a:t>
+            </a:r>
+          </a:p>
+          <a:p>
+            <a:pPr defTabSz="914400">
+              <a:lnSpc>
+                <a:spcPct val="90000"/>
+              </a:lnSpc>
+              <a:spcBef>
+                <a:spcPct val="0"/>
+              </a:spcBef>
+              <a:spcAft>
+                <a:spcPts val="600"/>
+              </a:spcAft>
+            </a:pPr>
+            <a:r>
+              <a:rPr lang="ru-RU" altLang="ru-RU" sz="3600" b="1" spc="-60" dirty="0">
+                <a:solidFill>
+                  <a:schemeClr val="accent4">
+                    <a:lumMod val="75000"/>
+                  </a:schemeClr>
+                </a:solidFill>
+                <a:latin typeface="+mj-lt"/>
+                <a:ea typeface="+mj-ea"/>
+                <a:cs typeface="+mj-cs"/>
+              </a:rPr>
+              <a:t>методов</a:t>
+            </a:r>
+            <a:endParaRPr lang="en-US" sz="3600" b="1" spc="-60" dirty="0">
+              <a:solidFill>
+                <a:schemeClr val="accent4">
+                  <a:lumMod val="75000"/>
+                </a:schemeClr>
+              </a:solidFill>
+              <a:latin typeface="+mj-lt"/>
+              <a:ea typeface="+mj-ea"/>
+              <a:cs typeface="+mj-cs"/>
+            </a:endParaRPr>
+          </a:p>
+          <a:p>
+            <a:pPr algn="r" defTabSz="914400">
+              <a:lnSpc>
+                <a:spcPct val="90000"/>
+              </a:lnSpc>
+              <a:spcBef>
+                <a:spcPct val="0"/>
+              </a:spcBef>
+              <a:spcAft>
+                <a:spcPts val="600"/>
+              </a:spcAft>
+            </a:pPr>
+            <a:endParaRPr lang="en-US" sz="3600" b="1" spc="-60" dirty="0">
+              <a:solidFill>
+                <a:schemeClr val="tx1">
+                  <a:lumMod val="85000"/>
+                  <a:lumOff val="15000"/>
+                </a:schemeClr>
+              </a:solidFill>
+              <a:latin typeface="+mj-lt"/>
+              <a:ea typeface="+mj-ea"/>
+              <a:cs typeface="+mj-cs"/>
+            </a:endParaRPr>
+          </a:p>
+          <a:p>
+            <a:pPr algn="r" defTabSz="914400">
+              <a:lnSpc>
+                <a:spcPct val="90000"/>
+              </a:lnSpc>
+              <a:spcBef>
+                <a:spcPct val="0"/>
+              </a:spcBef>
+              <a:spcAft>
+                <a:spcPts val="600"/>
+              </a:spcAft>
+            </a:pPr>
+            <a:endParaRPr lang="en-US" sz="3600" b="1" spc="-60" dirty="0">
+              <a:solidFill>
+                <a:schemeClr val="tx1">
+                  <a:lumMod val="85000"/>
+                  <a:lumOff val="15000"/>
+                </a:schemeClr>
+              </a:solidFill>
+              <a:latin typeface="+mj-lt"/>
+              <a:ea typeface="+mj-ea"/>
+              <a:cs typeface="+mj-cs"/>
+            </a:endParaRPr>
+          </a:p>
+        </p:txBody>
+      </p:sp>
+      <p:sp>
+        <p:nvSpPr>
+          <p:cNvPr id="145" name="Rectangle 144">
+            <a:extLst>
+              <a:ext uri="{FF2B5EF4-FFF2-40B4-BE49-F238E27FC236}">
+                <a16:creationId xmlns:a16="http://schemas.microsoft.com/office/drawing/2014/main" id="{FC14672B-27A5-4CDA-ABAF-5E4CF4B41C23}"/>
+              </a:ext>
+              <a:ext uri="{C183D7F6-B498-43B3-948B-1728B52AA6E4}">
+                <adec:decorative xmlns:adec="http://schemas.microsoft.com/office/drawing/2017/decorative" val="1"/>
+              </a:ext>
+            </a:extLst>
+          </p:cNvPr>
+          <p:cNvSpPr>
+            <a:spLocks noGrp="1" noRot="1" noChangeAspect="1" noMove="1" noResize="1" noEditPoints="1" noAdjustHandles="1" noChangeArrowheads="1" noChangeShapeType="1" noTextEdit="1"/>
+          </p:cNvSpPr>
+          <p:nvPr>
+            <p:extLst>
+              <p:ext uri="{386F3935-93C4-4BCD-93E2-E3B085C9AB24}">
+                <p16:designElem xmlns:p16="http://schemas.microsoft.com/office/powerpoint/2015/main" val="1"/>
+              </p:ext>
+            </p:extLst>
+          </p:nvPr>
+        </p:nvSpPr>
+        <p:spPr>
+          <a:xfrm>
+            <a:off x="0" y="761999"/>
+            <a:ext cx="1286934" cy="5334001"/>
+          </a:xfrm>
+          <a:prstGeom prst="rect">
+            <a:avLst/>
+          </a:prstGeom>
+          <a:solidFill>
+            <a:schemeClr val="accent1"/>
+          </a:solidFill>
+          <a:ln>
+            <a:noFill/>
+          </a:ln>
+        </p:spPr>
+        <p:style>
+          <a:lnRef idx="2">
+            <a:schemeClr val="accent1">
+              <a:shade val="50000"/>
+            </a:schemeClr>
+          </a:lnRef>
+          <a:fillRef idx="1">
+            <a:schemeClr val="accent1"/>
+          </a:fillRef>
+          <a:effectRef idx="0">
+            <a:schemeClr val="accent1"/>
+          </a:effectRef>
+          <a:fontRef idx="minor">
+            <a:schemeClr val="lt1"/>
+          </a:fontRef>
+        </p:style>
+      </p:sp>
+      <p:cxnSp>
+        <p:nvCxnSpPr>
+          <p:cNvPr id="147" name="Straight Connector 146">
+            <a:extLst>
+              <a:ext uri="{FF2B5EF4-FFF2-40B4-BE49-F238E27FC236}">
+                <a16:creationId xmlns:a16="http://schemas.microsoft.com/office/drawing/2014/main" id="{8D89589C-2C90-4407-A995-05EC3DD7AB14}"/>
+              </a:ext>
+              <a:ext uri="{C183D7F6-B498-43B3-948B-1728B52AA6E4}">
+                <adec:decorative xmlns:adec="http://schemas.microsoft.com/office/drawing/2017/decorative" val="1"/>
+              </a:ext>
+            </a:extLst>
+          </p:cNvPr>
+          <p:cNvCxnSpPr>
+            <a:cxnSpLocks noGrp="1" noRot="1" noChangeAspect="1" noMove="1" noResize="1" noEditPoints="1" noAdjustHandles="1" noChangeArrowheads="1" noChangeShapeType="1"/>
+          </p:cNvCxnSpPr>
+          <p:nvPr>
+            <p:extLst>
+              <p:ext uri="{386F3935-93C4-4BCD-93E2-E3B085C9AB24}">
+                <p16:designElem xmlns:p16="http://schemas.microsoft.com/office/powerpoint/2015/main" val="1"/>
+              </p:ext>
+            </p:extLst>
+          </p:nvPr>
+        </p:nvCxnSpPr>
+        <p:spPr>
+          <a:xfrm>
+            <a:off x="4951129" y="2085681"/>
+            <a:ext cx="0" cy="2686639"/>
+          </a:xfrm>
+          <a:prstGeom prst="line">
+            <a:avLst/>
+          </a:prstGeom>
+          <a:ln w="12700">
+            <a:solidFill>
+              <a:schemeClr val="tx1">
+                <a:lumMod val="50000"/>
+                <a:lumOff val="50000"/>
+              </a:schemeClr>
+            </a:solidFill>
+          </a:ln>
+        </p:spPr>
+        <p:style>
+          <a:lnRef idx="1">
+            <a:schemeClr val="accent1"/>
+          </a:lnRef>
+          <a:fillRef idx="0">
+            <a:schemeClr val="accent1"/>
+          </a:fillRef>
+          <a:effectRef idx="0">
+            <a:schemeClr val="accent1"/>
+          </a:effectRef>
+          <a:fontRef idx="minor">
+            <a:schemeClr val="tx1"/>
+          </a:fontRef>
+        </p:style>
+      </p:cxnSp>
+      <p:sp>
+        <p:nvSpPr>
+          <p:cNvPr id="149" name="Rectangle 148">
+            <a:extLst>
+              <a:ext uri="{FF2B5EF4-FFF2-40B4-BE49-F238E27FC236}">
+                <a16:creationId xmlns:a16="http://schemas.microsoft.com/office/drawing/2014/main" id="{9A206779-5C74-4555-94BC-5845C92EC3A8}"/>
+              </a:ext>
+              <a:ext uri="{C183D7F6-B498-43B3-948B-1728B52AA6E4}">
+                <adec:decorative xmlns:adec="http://schemas.microsoft.com/office/drawing/2017/decorative" val="1"/>
+              </a:ext>
+            </a:extLst>
+          </p:cNvPr>
+          <p:cNvSpPr>
+            <a:spLocks noGrp="1" noRot="1" noChangeAspect="1" noMove="1" noResize="1" noEditPoints="1" noAdjustHandles="1" noChangeArrowheads="1" noChangeShapeType="1" noTextEdit="1"/>
+          </p:cNvSpPr>
+          <p:nvPr>
+            <p:extLst>
+              <p:ext uri="{386F3935-93C4-4BCD-93E2-E3B085C9AB24}">
+                <p16:designElem xmlns:p16="http://schemas.microsoft.com/office/powerpoint/2015/main" val="1"/>
+              </p:ext>
+            </p:extLst>
+          </p:nvPr>
+        </p:nvSpPr>
+        <p:spPr>
+          <a:xfrm>
+            <a:off x="11683988" y="767825"/>
+            <a:ext cx="508012" cy="5328173"/>
+          </a:xfrm>
+          <a:prstGeom prst="rect">
+            <a:avLst/>
+          </a:prstGeom>
+          <a:solidFill>
+            <a:srgbClr val="C8C8C8">
+              <a:alpha val="50000"/>
+            </a:srgbClr>
+          </a:solidFill>
+          <a:ln>
+            <a:noFill/>
+          </a:ln>
+        </p:spPr>
+        <p:style>
+          <a:lnRef idx="2">
+            <a:schemeClr val="accent1">
+              <a:shade val="50000"/>
+            </a:schemeClr>
+          </a:lnRef>
+          <a:fillRef idx="1">
+            <a:schemeClr val="accent1"/>
+          </a:fillRef>
+          <a:effectRef idx="0">
+            <a:schemeClr val="accent1"/>
+          </a:effectRef>
+          <a:fontRef idx="minor">
+            <a:schemeClr val="lt1"/>
+          </a:fontRef>
+        </p:style>
+        <p:txBody>
+          <a:bodyPr rtlCol="0" anchor="ctr"/>
+          <a:lstStyle/>
+          <a:p>
+            <a:pPr algn="ctr"/>
+            <a:endParaRPr lang="en-US"/>
+          </a:p>
+        </p:txBody>
+      </p:sp>
+      <p:sp>
+        <p:nvSpPr>
+          <p:cNvPr id="13" name="Прямоугольник 12">
+            <a:extLst>
+              <a:ext uri="{FF2B5EF4-FFF2-40B4-BE49-F238E27FC236}">
+                <a16:creationId xmlns:a16="http://schemas.microsoft.com/office/drawing/2014/main" id="{5555706C-A4AA-4F05-A692-426DD0944F66}"/>
+              </a:ext>
+            </a:extLst>
+          </p:cNvPr>
+          <p:cNvSpPr/>
+          <p:nvPr/>
+        </p:nvSpPr>
+        <p:spPr>
+          <a:xfrm>
+            <a:off x="4975102" y="671852"/>
+            <a:ext cx="4576201" cy="1239901"/>
+          </a:xfrm>
+          <a:prstGeom prst="rect">
+            <a:avLst/>
+          </a:prstGeom>
+        </p:spPr>
+        <p:txBody>
+          <a:bodyPr vert="horz" lIns="91440" tIns="45720" rIns="91440" bIns="45720" rtlCol="0" anchor="ctr">
+            <a:normAutofit/>
+          </a:bodyPr>
+          <a:lstStyle/>
+          <a:p>
+            <a:pPr lvl="0" defTabSz="914400" eaLnBrk="0" fontAlgn="base" hangingPunct="0">
+              <a:spcBef>
+                <a:spcPct val="0"/>
+              </a:spcBef>
+              <a:spcAft>
+                <a:spcPct val="0"/>
+              </a:spcAft>
+            </a:pPr>
+            <a:r>
+              <a:rPr lang="ru-RU" altLang="ru-RU" dirty="0">
+                <a:solidFill>
+                  <a:srgbClr val="000000"/>
+                </a:solidFill>
+                <a:latin typeface="Consolas" panose="020B0609020204030204" pitchFamily="49" charset="0"/>
+              </a:rPr>
+              <a:t>  </a:t>
+            </a:r>
+            <a:r>
+              <a:rPr lang="en-US" altLang="ru-RU" dirty="0">
+                <a:solidFill>
+                  <a:srgbClr val="000000"/>
+                </a:solidFill>
+                <a:latin typeface="Consolas" panose="020B0609020204030204" pitchFamily="49" charset="0"/>
+              </a:rPr>
+              <a:t> </a:t>
+            </a:r>
+            <a:r>
+              <a:rPr lang="ru-RU" altLang="ru-RU" dirty="0">
+                <a:solidFill>
+                  <a:srgbClr val="000000"/>
+                </a:solidFill>
+                <a:latin typeface="Consolas" panose="020B0609020204030204" pitchFamily="49" charset="0"/>
+              </a:rPr>
+              <a:t> </a:t>
+            </a:r>
+            <a:r>
+              <a:rPr lang="ru-RU" altLang="ru-RU" b="1" dirty="0" err="1">
+                <a:solidFill>
+                  <a:srgbClr val="000080"/>
+                </a:solidFill>
+                <a:latin typeface="Consolas" panose="020B0609020204030204" pitchFamily="49" charset="0"/>
+              </a:rPr>
+              <a:t>public</a:t>
+            </a:r>
+            <a:r>
+              <a:rPr lang="ru-RU" altLang="ru-RU" b="1" dirty="0">
+                <a:solidFill>
+                  <a:srgbClr val="000080"/>
+                </a:solidFill>
+                <a:latin typeface="Consolas" panose="020B0609020204030204" pitchFamily="49" charset="0"/>
+              </a:rPr>
+              <a:t> </a:t>
+            </a:r>
+            <a:r>
+              <a:rPr lang="ru-RU" altLang="ru-RU" dirty="0" err="1">
+                <a:solidFill>
+                  <a:srgbClr val="000000"/>
+                </a:solidFill>
+                <a:latin typeface="Consolas" panose="020B0609020204030204" pitchFamily="49" charset="0"/>
+              </a:rPr>
+              <a:t>Car</a:t>
+            </a:r>
+            <a:r>
+              <a:rPr lang="ru-RU" altLang="ru-RU" dirty="0">
+                <a:solidFill>
+                  <a:srgbClr val="000000"/>
+                </a:solidFill>
+                <a:latin typeface="Consolas" panose="020B0609020204030204" pitchFamily="49" charset="0"/>
+              </a:rPr>
+              <a:t>(</a:t>
+            </a:r>
+            <a:r>
+              <a:rPr lang="ru-RU" altLang="ru-RU" b="1" dirty="0" err="1">
+                <a:solidFill>
+                  <a:srgbClr val="000080"/>
+                </a:solidFill>
+                <a:latin typeface="Consolas" panose="020B0609020204030204" pitchFamily="49" charset="0"/>
+              </a:rPr>
+              <a:t>int</a:t>
+            </a:r>
+            <a:r>
+              <a:rPr lang="ru-RU" altLang="ru-RU" b="1" dirty="0">
+                <a:solidFill>
+                  <a:srgbClr val="000080"/>
+                </a:solidFill>
+                <a:latin typeface="Consolas" panose="020B0609020204030204" pitchFamily="49" charset="0"/>
+              </a:rPr>
+              <a:t> </a:t>
+            </a:r>
+            <a:r>
+              <a:rPr lang="ru-RU" altLang="ru-RU" dirty="0" err="1">
+                <a:solidFill>
+                  <a:srgbClr val="000000"/>
+                </a:solidFill>
+                <a:latin typeface="Consolas" panose="020B0609020204030204" pitchFamily="49" charset="0"/>
+              </a:rPr>
+              <a:t>my_type</a:t>
+            </a:r>
+            <a:r>
+              <a:rPr lang="ru-RU" altLang="ru-RU" dirty="0">
+                <a:solidFill>
+                  <a:srgbClr val="000000"/>
+                </a:solidFill>
+                <a:latin typeface="Consolas" panose="020B0609020204030204" pitchFamily="49" charset="0"/>
+              </a:rPr>
+              <a:t>){</a:t>
+            </a:r>
+            <a:br>
+              <a:rPr lang="ru-RU" altLang="ru-RU" dirty="0">
+                <a:solidFill>
+                  <a:srgbClr val="000000"/>
+                </a:solidFill>
+                <a:latin typeface="Consolas" panose="020B0609020204030204" pitchFamily="49" charset="0"/>
+              </a:rPr>
+            </a:br>
+            <a:r>
+              <a:rPr lang="ru-RU" altLang="ru-RU" dirty="0">
+                <a:solidFill>
+                  <a:srgbClr val="000000"/>
+                </a:solidFill>
+                <a:latin typeface="Consolas" panose="020B0609020204030204" pitchFamily="49" charset="0"/>
+              </a:rPr>
+              <a:t>        </a:t>
+            </a:r>
+            <a:r>
+              <a:rPr lang="ru-RU" altLang="ru-RU" b="1" dirty="0" err="1">
+                <a:solidFill>
+                  <a:srgbClr val="660E7A"/>
+                </a:solidFill>
+                <a:latin typeface="Consolas" panose="020B0609020204030204" pitchFamily="49" charset="0"/>
+              </a:rPr>
+              <a:t>type</a:t>
+            </a:r>
+            <a:r>
+              <a:rPr lang="ru-RU" altLang="ru-RU" b="1" dirty="0">
+                <a:solidFill>
+                  <a:srgbClr val="660E7A"/>
+                </a:solidFill>
+                <a:latin typeface="Consolas" panose="020B0609020204030204" pitchFamily="49" charset="0"/>
+              </a:rPr>
+              <a:t> </a:t>
+            </a:r>
+            <a:r>
+              <a:rPr lang="ru-RU" altLang="ru-RU" dirty="0">
+                <a:solidFill>
+                  <a:srgbClr val="000000"/>
+                </a:solidFill>
+                <a:latin typeface="Consolas" panose="020B0609020204030204" pitchFamily="49" charset="0"/>
+              </a:rPr>
+              <a:t>= </a:t>
+            </a:r>
+            <a:r>
+              <a:rPr lang="ru-RU" altLang="ru-RU" dirty="0" err="1">
+                <a:solidFill>
+                  <a:srgbClr val="000000"/>
+                </a:solidFill>
+                <a:latin typeface="Consolas" panose="020B0609020204030204" pitchFamily="49" charset="0"/>
+              </a:rPr>
+              <a:t>my_type</a:t>
+            </a:r>
+            <a:r>
+              <a:rPr lang="ru-RU" altLang="ru-RU" dirty="0">
+                <a:solidFill>
+                  <a:srgbClr val="000000"/>
+                </a:solidFill>
+                <a:latin typeface="Consolas" panose="020B0609020204030204" pitchFamily="49" charset="0"/>
+              </a:rPr>
+              <a:t>;</a:t>
+            </a:r>
+            <a:br>
+              <a:rPr lang="ru-RU" altLang="ru-RU" dirty="0">
+                <a:solidFill>
+                  <a:srgbClr val="000000"/>
+                </a:solidFill>
+                <a:latin typeface="Consolas" panose="020B0609020204030204" pitchFamily="49" charset="0"/>
+              </a:rPr>
+            </a:br>
+            <a:r>
+              <a:rPr lang="ru-RU" altLang="ru-RU" dirty="0">
+                <a:solidFill>
+                  <a:srgbClr val="000000"/>
+                </a:solidFill>
+                <a:latin typeface="Consolas" panose="020B0609020204030204" pitchFamily="49" charset="0"/>
+              </a:rPr>
+              <a:t>    }</a:t>
+            </a:r>
+            <a:endParaRPr lang="ru-RU" altLang="ru-RU" sz="4000" dirty="0">
+              <a:latin typeface="Arial" panose="020B0604020202020204" pitchFamily="34" charset="0"/>
+            </a:endParaRPr>
+          </a:p>
+        </p:txBody>
+      </p:sp>
+      <p:sp>
+        <p:nvSpPr>
+          <p:cNvPr id="14" name="Прямоугольник 13">
+            <a:extLst>
+              <a:ext uri="{FF2B5EF4-FFF2-40B4-BE49-F238E27FC236}">
+                <a16:creationId xmlns:a16="http://schemas.microsoft.com/office/drawing/2014/main" id="{525C67AB-D949-4579-9D35-6BF7272D7884}"/>
+              </a:ext>
+            </a:extLst>
+          </p:cNvPr>
+          <p:cNvSpPr/>
+          <p:nvPr/>
+        </p:nvSpPr>
+        <p:spPr>
+          <a:xfrm>
+            <a:off x="5450724" y="2232140"/>
+            <a:ext cx="6096000" cy="1477328"/>
+          </a:xfrm>
+          <a:prstGeom prst="rect">
+            <a:avLst/>
+          </a:prstGeom>
+        </p:spPr>
+        <p:txBody>
+          <a:bodyPr>
+            <a:spAutoFit/>
+          </a:bodyPr>
+          <a:lstStyle/>
+          <a:p>
+            <a:r>
+              <a:rPr lang="ru-RU" altLang="ru-RU" b="1" dirty="0" err="1">
+                <a:solidFill>
+                  <a:srgbClr val="000080"/>
+                </a:solidFill>
+                <a:latin typeface="Consolas" panose="020B0609020204030204" pitchFamily="49" charset="0"/>
+              </a:rPr>
+              <a:t>public</a:t>
+            </a:r>
+            <a:r>
+              <a:rPr lang="ru-RU" altLang="ru-RU" b="1" dirty="0">
+                <a:solidFill>
+                  <a:srgbClr val="000080"/>
+                </a:solidFill>
+                <a:latin typeface="Consolas" panose="020B0609020204030204" pitchFamily="49" charset="0"/>
+              </a:rPr>
+              <a:t> </a:t>
+            </a:r>
+            <a:r>
+              <a:rPr lang="ru-RU" altLang="ru-RU" dirty="0" err="1">
+                <a:solidFill>
+                  <a:srgbClr val="000000"/>
+                </a:solidFill>
+                <a:latin typeface="Consolas" panose="020B0609020204030204" pitchFamily="49" charset="0"/>
+              </a:rPr>
+              <a:t>Car</a:t>
+            </a:r>
+            <a:r>
+              <a:rPr lang="ru-RU" altLang="ru-RU" dirty="0">
+                <a:solidFill>
+                  <a:srgbClr val="000000"/>
+                </a:solidFill>
+                <a:latin typeface="Consolas" panose="020B0609020204030204" pitchFamily="49" charset="0"/>
+              </a:rPr>
+              <a:t>(</a:t>
+            </a:r>
+            <a:r>
+              <a:rPr lang="ru-RU" altLang="ru-RU" b="1" dirty="0" err="1">
+                <a:solidFill>
+                  <a:srgbClr val="000080"/>
+                </a:solidFill>
+                <a:latin typeface="Consolas" panose="020B0609020204030204" pitchFamily="49" charset="0"/>
+              </a:rPr>
+              <a:t>int</a:t>
+            </a:r>
+            <a:r>
+              <a:rPr lang="ru-RU" altLang="ru-RU" b="1" dirty="0">
+                <a:solidFill>
+                  <a:srgbClr val="000080"/>
+                </a:solidFill>
+                <a:latin typeface="Consolas" panose="020B0609020204030204" pitchFamily="49" charset="0"/>
+              </a:rPr>
+              <a:t> </a:t>
+            </a:r>
+            <a:r>
+              <a:rPr lang="ru-RU" altLang="ru-RU" dirty="0" err="1">
+                <a:solidFill>
+                  <a:srgbClr val="000000"/>
+                </a:solidFill>
+                <a:latin typeface="Consolas" panose="020B0609020204030204" pitchFamily="49" charset="0"/>
+              </a:rPr>
+              <a:t>my_type</a:t>
+            </a:r>
+            <a:r>
+              <a:rPr lang="ru-RU" altLang="ru-RU" dirty="0">
+                <a:solidFill>
+                  <a:srgbClr val="000000"/>
+                </a:solidFill>
+                <a:latin typeface="Consolas" panose="020B0609020204030204" pitchFamily="49" charset="0"/>
+              </a:rPr>
+              <a:t>, </a:t>
+            </a:r>
+            <a:r>
+              <a:rPr lang="ru-RU" altLang="ru-RU" b="1" dirty="0" err="1">
+                <a:solidFill>
+                  <a:srgbClr val="000080"/>
+                </a:solidFill>
+                <a:latin typeface="Consolas" panose="020B0609020204030204" pitchFamily="49" charset="0"/>
+              </a:rPr>
+              <a:t>int</a:t>
+            </a:r>
+            <a:r>
+              <a:rPr lang="ru-RU" altLang="ru-RU" b="1" dirty="0">
+                <a:solidFill>
+                  <a:srgbClr val="000080"/>
+                </a:solidFill>
+                <a:latin typeface="Consolas" panose="020B0609020204030204" pitchFamily="49" charset="0"/>
+              </a:rPr>
+              <a:t> </a:t>
+            </a:r>
+            <a:r>
+              <a:rPr lang="ru-RU" altLang="ru-RU" dirty="0" err="1">
+                <a:solidFill>
+                  <a:srgbClr val="000000"/>
+                </a:solidFill>
+                <a:latin typeface="Consolas" panose="020B0609020204030204" pitchFamily="49" charset="0"/>
+              </a:rPr>
+              <a:t>my_position</a:t>
+            </a:r>
+            <a:r>
+              <a:rPr lang="ru-RU" altLang="ru-RU" dirty="0">
+                <a:solidFill>
+                  <a:srgbClr val="000000"/>
+                </a:solidFill>
+                <a:latin typeface="Consolas" panose="020B0609020204030204" pitchFamily="49" charset="0"/>
+              </a:rPr>
+              <a:t>){</a:t>
+            </a:r>
+            <a:br>
+              <a:rPr lang="ru-RU" altLang="ru-RU" dirty="0">
+                <a:solidFill>
+                  <a:srgbClr val="000000"/>
+                </a:solidFill>
+                <a:latin typeface="Consolas" panose="020B0609020204030204" pitchFamily="49" charset="0"/>
+              </a:rPr>
+            </a:br>
+            <a:r>
+              <a:rPr lang="ru-RU" altLang="ru-RU" dirty="0">
+                <a:solidFill>
+                  <a:srgbClr val="000000"/>
+                </a:solidFill>
+                <a:latin typeface="Consolas" panose="020B0609020204030204" pitchFamily="49" charset="0"/>
+              </a:rPr>
+              <a:t>        </a:t>
+            </a:r>
+            <a:r>
+              <a:rPr lang="ru-RU" altLang="ru-RU" b="1" dirty="0" err="1">
+                <a:solidFill>
+                  <a:srgbClr val="660E7A"/>
+                </a:solidFill>
+                <a:latin typeface="Consolas" panose="020B0609020204030204" pitchFamily="49" charset="0"/>
+              </a:rPr>
+              <a:t>type</a:t>
+            </a:r>
+            <a:r>
+              <a:rPr lang="ru-RU" altLang="ru-RU" b="1" dirty="0">
+                <a:solidFill>
+                  <a:srgbClr val="660E7A"/>
+                </a:solidFill>
+                <a:latin typeface="Consolas" panose="020B0609020204030204" pitchFamily="49" charset="0"/>
+              </a:rPr>
+              <a:t> </a:t>
+            </a:r>
+            <a:r>
+              <a:rPr lang="ru-RU" altLang="ru-RU" dirty="0">
+                <a:solidFill>
+                  <a:srgbClr val="000000"/>
+                </a:solidFill>
+                <a:latin typeface="Consolas" panose="020B0609020204030204" pitchFamily="49" charset="0"/>
+              </a:rPr>
+              <a:t>= </a:t>
+            </a:r>
+            <a:r>
+              <a:rPr lang="ru-RU" altLang="ru-RU" dirty="0" err="1">
+                <a:solidFill>
+                  <a:srgbClr val="000000"/>
+                </a:solidFill>
+                <a:latin typeface="Consolas" panose="020B0609020204030204" pitchFamily="49" charset="0"/>
+              </a:rPr>
+              <a:t>my_type</a:t>
+            </a:r>
+            <a:r>
+              <a:rPr lang="ru-RU" altLang="ru-RU" dirty="0">
+                <a:solidFill>
+                  <a:srgbClr val="000000"/>
+                </a:solidFill>
+                <a:latin typeface="Consolas" panose="020B0609020204030204" pitchFamily="49" charset="0"/>
+              </a:rPr>
+              <a:t>;</a:t>
+            </a:r>
+            <a:br>
+              <a:rPr lang="ru-RU" altLang="ru-RU" dirty="0">
+                <a:solidFill>
+                  <a:srgbClr val="000000"/>
+                </a:solidFill>
+                <a:latin typeface="Consolas" panose="020B0609020204030204" pitchFamily="49" charset="0"/>
+              </a:rPr>
+            </a:br>
+            <a:r>
+              <a:rPr lang="ru-RU" altLang="ru-RU" dirty="0">
+                <a:solidFill>
+                  <a:srgbClr val="000000"/>
+                </a:solidFill>
+                <a:latin typeface="Consolas" panose="020B0609020204030204" pitchFamily="49" charset="0"/>
+              </a:rPr>
+              <a:t>        </a:t>
+            </a:r>
+            <a:r>
+              <a:rPr lang="ru-RU" altLang="ru-RU" b="1" dirty="0" err="1">
+                <a:solidFill>
+                  <a:srgbClr val="660E7A"/>
+                </a:solidFill>
+                <a:latin typeface="Consolas" panose="020B0609020204030204" pitchFamily="49" charset="0"/>
+              </a:rPr>
+              <a:t>position</a:t>
+            </a:r>
+            <a:r>
+              <a:rPr lang="ru-RU" altLang="ru-RU" b="1" dirty="0">
+                <a:solidFill>
+                  <a:srgbClr val="660E7A"/>
+                </a:solidFill>
+                <a:latin typeface="Consolas" panose="020B0609020204030204" pitchFamily="49" charset="0"/>
+              </a:rPr>
+              <a:t> </a:t>
+            </a:r>
+            <a:r>
+              <a:rPr lang="ru-RU" altLang="ru-RU" dirty="0">
+                <a:solidFill>
+                  <a:srgbClr val="000000"/>
+                </a:solidFill>
+                <a:latin typeface="Consolas" panose="020B0609020204030204" pitchFamily="49" charset="0"/>
+              </a:rPr>
+              <a:t>= </a:t>
+            </a:r>
+            <a:r>
+              <a:rPr lang="ru-RU" altLang="ru-RU" dirty="0" err="1">
+                <a:solidFill>
+                  <a:srgbClr val="000000"/>
+                </a:solidFill>
+                <a:latin typeface="Consolas" panose="020B0609020204030204" pitchFamily="49" charset="0"/>
+              </a:rPr>
+              <a:t>my_position</a:t>
+            </a:r>
+            <a:r>
+              <a:rPr lang="ru-RU" altLang="ru-RU" dirty="0">
+                <a:solidFill>
+                  <a:srgbClr val="000000"/>
+                </a:solidFill>
+                <a:latin typeface="Consolas" panose="020B0609020204030204" pitchFamily="49" charset="0"/>
+              </a:rPr>
+              <a:t>;</a:t>
+            </a:r>
+            <a:endParaRPr lang="en-US" altLang="ru-RU" dirty="0">
+              <a:solidFill>
+                <a:srgbClr val="000000"/>
+              </a:solidFill>
+              <a:latin typeface="Consolas" panose="020B0609020204030204" pitchFamily="49" charset="0"/>
+            </a:endParaRPr>
+          </a:p>
+          <a:p>
+            <a:r>
+              <a:rPr lang="ru-RU" altLang="ru-RU" dirty="0">
+                <a:solidFill>
+                  <a:srgbClr val="000000"/>
+                </a:solidFill>
+                <a:latin typeface="Consolas" panose="020B0609020204030204" pitchFamily="49" charset="0"/>
+              </a:rPr>
+              <a:t>}</a:t>
+            </a:r>
+            <a:br>
+              <a:rPr lang="ru-RU" altLang="ru-RU" dirty="0">
+                <a:solidFill>
+                  <a:srgbClr val="000000"/>
+                </a:solidFill>
+                <a:latin typeface="Consolas" panose="020B0609020204030204" pitchFamily="49" charset="0"/>
+              </a:rPr>
+            </a:br>
+            <a:endParaRPr lang="ru-RU" dirty="0"/>
+          </a:p>
+        </p:txBody>
+      </p:sp>
+      <p:sp>
+        <p:nvSpPr>
+          <p:cNvPr id="15" name="Прямоугольник 14">
+            <a:extLst>
+              <a:ext uri="{FF2B5EF4-FFF2-40B4-BE49-F238E27FC236}">
+                <a16:creationId xmlns:a16="http://schemas.microsoft.com/office/drawing/2014/main" id="{5C6B65F4-B9EC-4464-A950-695D896EE748}"/>
+              </a:ext>
+            </a:extLst>
+          </p:cNvPr>
+          <p:cNvSpPr/>
+          <p:nvPr/>
+        </p:nvSpPr>
+        <p:spPr>
+          <a:xfrm>
+            <a:off x="5405866" y="751649"/>
+            <a:ext cx="5702297" cy="1042707"/>
+          </a:xfrm>
+          <a:prstGeom prst="rect">
+            <a:avLst/>
+          </a:prstGeom>
+          <a:noFill/>
+          <a:ln w="38100">
+            <a:solidFill>
+              <a:schemeClr val="tx1">
+                <a:lumMod val="50000"/>
+                <a:lumOff val="50000"/>
+              </a:schemeClr>
+            </a:solidFill>
+          </a:ln>
+        </p:spPr>
+        <p:style>
+          <a:lnRef idx="2">
+            <a:schemeClr val="accent1">
+              <a:shade val="50000"/>
+            </a:schemeClr>
+          </a:lnRef>
+          <a:fillRef idx="1">
+            <a:schemeClr val="accent1"/>
+          </a:fillRef>
+          <a:effectRef idx="0">
+            <a:schemeClr val="accent1"/>
+          </a:effectRef>
+          <a:fontRef idx="minor">
+            <a:schemeClr val="lt1"/>
+          </a:fontRef>
+        </p:style>
+        <p:txBody>
+          <a:bodyPr rtlCol="0" anchor="ctr"/>
+          <a:lstStyle/>
+          <a:p>
+            <a:pPr algn="ctr"/>
+            <a:endParaRPr lang="ru-RU">
+              <a:noFill/>
+            </a:endParaRPr>
+          </a:p>
+        </p:txBody>
+      </p:sp>
+      <p:sp>
+        <p:nvSpPr>
+          <p:cNvPr id="16" name="Прямоугольник 15">
+            <a:extLst>
+              <a:ext uri="{FF2B5EF4-FFF2-40B4-BE49-F238E27FC236}">
+                <a16:creationId xmlns:a16="http://schemas.microsoft.com/office/drawing/2014/main" id="{426458BE-ABDD-4BCE-A41E-ADA5B490A86A}"/>
+              </a:ext>
+            </a:extLst>
+          </p:cNvPr>
+          <p:cNvSpPr/>
+          <p:nvPr/>
+        </p:nvSpPr>
+        <p:spPr>
+          <a:xfrm>
+            <a:off x="5391159" y="2092221"/>
+            <a:ext cx="5717005" cy="1400619"/>
+          </a:xfrm>
+          <a:prstGeom prst="rect">
+            <a:avLst/>
+          </a:prstGeom>
+          <a:noFill/>
+          <a:ln w="38100">
+            <a:solidFill>
+              <a:schemeClr val="tx1">
+                <a:lumMod val="50000"/>
+                <a:lumOff val="50000"/>
+              </a:schemeClr>
+            </a:solidFill>
+          </a:ln>
+        </p:spPr>
+        <p:style>
+          <a:lnRef idx="2">
+            <a:schemeClr val="accent1">
+              <a:shade val="50000"/>
+            </a:schemeClr>
+          </a:lnRef>
+          <a:fillRef idx="1">
+            <a:schemeClr val="accent1"/>
+          </a:fillRef>
+          <a:effectRef idx="0">
+            <a:schemeClr val="accent1"/>
+          </a:effectRef>
+          <a:fontRef idx="minor">
+            <a:schemeClr val="lt1"/>
+          </a:fontRef>
+        </p:style>
+        <p:txBody>
+          <a:bodyPr rtlCol="0" anchor="ctr"/>
+          <a:lstStyle/>
+          <a:p>
+            <a:pPr algn="ctr"/>
+            <a:endParaRPr lang="ru-RU">
+              <a:noFill/>
+            </a:endParaRPr>
+          </a:p>
+        </p:txBody>
+      </p:sp>
+      <p:sp>
+        <p:nvSpPr>
+          <p:cNvPr id="17" name="Прямоугольник 16">
+            <a:extLst>
+              <a:ext uri="{FF2B5EF4-FFF2-40B4-BE49-F238E27FC236}">
+                <a16:creationId xmlns:a16="http://schemas.microsoft.com/office/drawing/2014/main" id="{CE40759A-86C8-4926-BC47-E6CD7E0E2D7E}"/>
+              </a:ext>
+            </a:extLst>
+          </p:cNvPr>
+          <p:cNvSpPr/>
+          <p:nvPr/>
+        </p:nvSpPr>
+        <p:spPr>
+          <a:xfrm>
+            <a:off x="4951128" y="3685795"/>
+            <a:ext cx="4576201" cy="1239901"/>
+          </a:xfrm>
+          <a:prstGeom prst="rect">
+            <a:avLst/>
+          </a:prstGeom>
+        </p:spPr>
+        <p:txBody>
+          <a:bodyPr vert="horz" lIns="91440" tIns="45720" rIns="91440" bIns="45720" rtlCol="0" anchor="ctr">
+            <a:normAutofit/>
+          </a:bodyPr>
+          <a:lstStyle/>
+          <a:p>
+            <a:r>
+              <a:rPr lang="ru-RU" altLang="ru-RU" dirty="0">
+                <a:solidFill>
+                  <a:srgbClr val="000000"/>
+                </a:solidFill>
+                <a:latin typeface="Consolas" panose="020B0609020204030204" pitchFamily="49" charset="0"/>
+              </a:rPr>
+              <a:t>  </a:t>
+            </a:r>
+            <a:r>
+              <a:rPr lang="en-US" altLang="ru-RU" dirty="0">
+                <a:solidFill>
+                  <a:srgbClr val="000000"/>
+                </a:solidFill>
+                <a:latin typeface="Consolas" panose="020B0609020204030204" pitchFamily="49" charset="0"/>
+              </a:rPr>
+              <a:t> </a:t>
+            </a:r>
+            <a:r>
+              <a:rPr lang="ru-RU" altLang="ru-RU" dirty="0">
+                <a:solidFill>
+                  <a:srgbClr val="000000"/>
+                </a:solidFill>
+                <a:latin typeface="Consolas" panose="020B0609020204030204" pitchFamily="49" charset="0"/>
+              </a:rPr>
+              <a:t> </a:t>
+            </a:r>
+            <a:r>
+              <a:rPr lang="en-US" b="1" dirty="0">
+                <a:solidFill>
+                  <a:srgbClr val="000080"/>
+                </a:solidFill>
+                <a:latin typeface="Consolas" panose="020B0609020204030204" pitchFamily="49" charset="0"/>
+              </a:rPr>
+              <a:t>void</a:t>
+            </a:r>
+            <a:r>
+              <a:rPr lang="ru-RU" dirty="0">
+                <a:solidFill>
+                  <a:srgbClr val="383A42"/>
+                </a:solidFill>
+                <a:latin typeface="SFMono-Regular"/>
+              </a:rPr>
+              <a:t> </a:t>
+            </a:r>
+            <a:r>
+              <a:rPr lang="en-US" dirty="0">
+                <a:solidFill>
+                  <a:srgbClr val="000000"/>
+                </a:solidFill>
+                <a:latin typeface="Consolas" panose="020B0609020204030204" pitchFamily="49" charset="0"/>
+              </a:rPr>
+              <a:t>move</a:t>
+            </a:r>
+            <a:r>
+              <a:rPr lang="ru-RU" dirty="0">
+                <a:solidFill>
+                  <a:srgbClr val="383A42"/>
+                </a:solidFill>
+                <a:latin typeface="SFMono-Regular"/>
+              </a:rPr>
+              <a:t> (</a:t>
+            </a:r>
+            <a:r>
+              <a:rPr lang="ru-RU" dirty="0">
+                <a:solidFill>
+                  <a:srgbClr val="000000"/>
+                </a:solidFill>
+                <a:latin typeface="Consolas" panose="020B0609020204030204" pitchFamily="49" charset="0"/>
+              </a:rPr>
+              <a:t>) { </a:t>
+            </a:r>
+          </a:p>
+          <a:p>
+            <a:r>
+              <a:rPr lang="ru-RU" i="1" dirty="0">
+                <a:solidFill>
+                  <a:srgbClr val="383A42"/>
+                </a:solidFill>
+                <a:latin typeface="SFMono-Regular"/>
+              </a:rPr>
+              <a:t>		</a:t>
+            </a:r>
+            <a:r>
+              <a:rPr lang="en-US" dirty="0">
+                <a:solidFill>
+                  <a:srgbClr val="000000"/>
+                </a:solidFill>
+                <a:latin typeface="Consolas" panose="020B0609020204030204" pitchFamily="49" charset="0"/>
+              </a:rPr>
+              <a:t>position++;</a:t>
+            </a:r>
+            <a:endParaRPr lang="ru-RU" dirty="0">
+              <a:solidFill>
+                <a:srgbClr val="000000"/>
+              </a:solidFill>
+              <a:latin typeface="Consolas" panose="020B0609020204030204" pitchFamily="49" charset="0"/>
+            </a:endParaRPr>
+          </a:p>
+          <a:p>
+            <a:r>
+              <a:rPr lang="ru-RU" dirty="0">
+                <a:solidFill>
+                  <a:srgbClr val="000000"/>
+                </a:solidFill>
+                <a:latin typeface="Consolas" panose="020B0609020204030204" pitchFamily="49" charset="0"/>
+              </a:rPr>
+              <a:t>	} </a:t>
+            </a:r>
+          </a:p>
+        </p:txBody>
+      </p:sp>
+      <p:sp>
+        <p:nvSpPr>
+          <p:cNvPr id="18" name="Прямоугольник 17">
+            <a:extLst>
+              <a:ext uri="{FF2B5EF4-FFF2-40B4-BE49-F238E27FC236}">
+                <a16:creationId xmlns:a16="http://schemas.microsoft.com/office/drawing/2014/main" id="{F146C55A-D2A5-41FB-8A48-268BFC625425}"/>
+              </a:ext>
+            </a:extLst>
+          </p:cNvPr>
+          <p:cNvSpPr/>
+          <p:nvPr/>
+        </p:nvSpPr>
+        <p:spPr>
+          <a:xfrm>
+            <a:off x="5426750" y="5184074"/>
+            <a:ext cx="6096000" cy="1200329"/>
+          </a:xfrm>
+          <a:prstGeom prst="rect">
+            <a:avLst/>
+          </a:prstGeom>
+        </p:spPr>
+        <p:txBody>
+          <a:bodyPr>
+            <a:spAutoFit/>
+          </a:bodyPr>
+          <a:lstStyle/>
+          <a:p>
+            <a:r>
+              <a:rPr lang="ru-RU" altLang="ru-RU" dirty="0">
+                <a:solidFill>
+                  <a:srgbClr val="000000"/>
+                </a:solidFill>
+                <a:latin typeface="Consolas" panose="020B0609020204030204" pitchFamily="49" charset="0"/>
+              </a:rPr>
+              <a:t> </a:t>
+            </a:r>
+            <a:r>
+              <a:rPr lang="en-US" b="1" dirty="0">
+                <a:solidFill>
+                  <a:srgbClr val="000080"/>
+                </a:solidFill>
+                <a:latin typeface="Consolas" panose="020B0609020204030204" pitchFamily="49" charset="0"/>
+              </a:rPr>
+              <a:t>void</a:t>
+            </a:r>
+            <a:r>
+              <a:rPr lang="ru-RU" dirty="0">
+                <a:solidFill>
+                  <a:srgbClr val="383A42"/>
+                </a:solidFill>
+                <a:latin typeface="SFMono-Regular"/>
+              </a:rPr>
+              <a:t> </a:t>
+            </a:r>
+            <a:r>
+              <a:rPr lang="en-US" dirty="0">
+                <a:solidFill>
+                  <a:srgbClr val="000000"/>
+                </a:solidFill>
+                <a:latin typeface="Consolas" panose="020B0609020204030204" pitchFamily="49" charset="0"/>
+              </a:rPr>
+              <a:t>move</a:t>
+            </a:r>
+            <a:r>
+              <a:rPr lang="ru-RU" dirty="0">
+                <a:solidFill>
+                  <a:srgbClr val="383A42"/>
+                </a:solidFill>
+                <a:latin typeface="SFMono-Regular"/>
+              </a:rPr>
+              <a:t> (</a:t>
+            </a:r>
+            <a:r>
+              <a:rPr lang="en-US" b="1" dirty="0">
+                <a:solidFill>
+                  <a:srgbClr val="000080"/>
+                </a:solidFill>
+                <a:latin typeface="Consolas" panose="020B0609020204030204" pitchFamily="49" charset="0"/>
+              </a:rPr>
+              <a:t>int</a:t>
+            </a:r>
+            <a:r>
+              <a:rPr lang="en-US" dirty="0">
+                <a:solidFill>
+                  <a:srgbClr val="383A42"/>
+                </a:solidFill>
+                <a:latin typeface="SFMono-Regular"/>
+              </a:rPr>
+              <a:t> </a:t>
+            </a:r>
+            <a:r>
+              <a:rPr lang="en-US" dirty="0">
+                <a:solidFill>
+                  <a:srgbClr val="000000"/>
+                </a:solidFill>
+                <a:latin typeface="Consolas" panose="020B0609020204030204" pitchFamily="49" charset="0"/>
+              </a:rPr>
+              <a:t>speed</a:t>
+            </a:r>
+            <a:r>
+              <a:rPr lang="ru-RU" dirty="0">
+                <a:solidFill>
+                  <a:srgbClr val="000000"/>
+                </a:solidFill>
+                <a:latin typeface="Consolas" panose="020B0609020204030204" pitchFamily="49" charset="0"/>
+              </a:rPr>
+              <a:t>) { </a:t>
+            </a:r>
+          </a:p>
+          <a:p>
+            <a:r>
+              <a:rPr lang="ru-RU" i="1" dirty="0">
+                <a:solidFill>
+                  <a:srgbClr val="383A42"/>
+                </a:solidFill>
+                <a:latin typeface="SFMono-Regular"/>
+              </a:rPr>
+              <a:t>		</a:t>
+            </a:r>
+            <a:r>
+              <a:rPr lang="en-US" dirty="0">
+                <a:solidFill>
+                  <a:srgbClr val="000000"/>
+                </a:solidFill>
+                <a:latin typeface="Consolas" panose="020B0609020204030204" pitchFamily="49" charset="0"/>
+              </a:rPr>
+              <a:t>position</a:t>
+            </a:r>
+            <a:r>
+              <a:rPr lang="ru-RU" dirty="0">
+                <a:solidFill>
+                  <a:srgbClr val="000000"/>
+                </a:solidFill>
+                <a:latin typeface="Consolas" panose="020B0609020204030204" pitchFamily="49" charset="0"/>
+              </a:rPr>
+              <a:t> += </a:t>
+            </a:r>
+            <a:r>
+              <a:rPr lang="en-US" dirty="0">
+                <a:solidFill>
+                  <a:srgbClr val="000000"/>
+                </a:solidFill>
+                <a:latin typeface="Consolas" panose="020B0609020204030204" pitchFamily="49" charset="0"/>
+              </a:rPr>
+              <a:t>speed;</a:t>
+            </a:r>
+            <a:endParaRPr lang="ru-RU" dirty="0">
+              <a:solidFill>
+                <a:srgbClr val="000000"/>
+              </a:solidFill>
+              <a:latin typeface="Consolas" panose="020B0609020204030204" pitchFamily="49" charset="0"/>
+            </a:endParaRPr>
+          </a:p>
+          <a:p>
+            <a:r>
+              <a:rPr lang="ru-RU" dirty="0">
+                <a:solidFill>
+                  <a:srgbClr val="000000"/>
+                </a:solidFill>
+                <a:latin typeface="Consolas" panose="020B0609020204030204" pitchFamily="49" charset="0"/>
+              </a:rPr>
+              <a:t>} </a:t>
+            </a:r>
+            <a:br>
+              <a:rPr lang="ru-RU" altLang="ru-RU" dirty="0">
+                <a:solidFill>
+                  <a:srgbClr val="000000"/>
+                </a:solidFill>
+                <a:latin typeface="Consolas" panose="020B0609020204030204" pitchFamily="49" charset="0"/>
+              </a:rPr>
+            </a:br>
+            <a:endParaRPr lang="ru-RU" dirty="0"/>
+          </a:p>
+        </p:txBody>
+      </p:sp>
+      <p:sp>
+        <p:nvSpPr>
+          <p:cNvPr id="19" name="Прямоугольник 18">
+            <a:extLst>
+              <a:ext uri="{FF2B5EF4-FFF2-40B4-BE49-F238E27FC236}">
+                <a16:creationId xmlns:a16="http://schemas.microsoft.com/office/drawing/2014/main" id="{D7A276DA-6B49-4F5A-A19A-CA4ADF29A3C3}"/>
+              </a:ext>
+            </a:extLst>
+          </p:cNvPr>
+          <p:cNvSpPr/>
+          <p:nvPr/>
+        </p:nvSpPr>
+        <p:spPr>
+          <a:xfrm>
+            <a:off x="5381893" y="3765592"/>
+            <a:ext cx="4107220" cy="1042707"/>
+          </a:xfrm>
+          <a:prstGeom prst="rect">
+            <a:avLst/>
+          </a:prstGeom>
+          <a:noFill/>
+          <a:ln w="38100">
+            <a:solidFill>
+              <a:schemeClr val="tx1">
+                <a:lumMod val="50000"/>
+                <a:lumOff val="50000"/>
+              </a:schemeClr>
+            </a:solidFill>
+          </a:ln>
+        </p:spPr>
+        <p:style>
+          <a:lnRef idx="2">
+            <a:schemeClr val="accent1">
+              <a:shade val="50000"/>
+            </a:schemeClr>
+          </a:lnRef>
+          <a:fillRef idx="1">
+            <a:schemeClr val="accent1"/>
+          </a:fillRef>
+          <a:effectRef idx="0">
+            <a:schemeClr val="accent1"/>
+          </a:effectRef>
+          <a:fontRef idx="minor">
+            <a:schemeClr val="lt1"/>
+          </a:fontRef>
+        </p:style>
+        <p:txBody>
+          <a:bodyPr rtlCol="0" anchor="ctr"/>
+          <a:lstStyle/>
+          <a:p>
+            <a:pPr algn="ctr"/>
+            <a:endParaRPr lang="ru-RU">
+              <a:noFill/>
+            </a:endParaRPr>
+          </a:p>
+        </p:txBody>
+      </p:sp>
+      <p:sp>
+        <p:nvSpPr>
+          <p:cNvPr id="20" name="Прямоугольник 19">
+            <a:extLst>
+              <a:ext uri="{FF2B5EF4-FFF2-40B4-BE49-F238E27FC236}">
+                <a16:creationId xmlns:a16="http://schemas.microsoft.com/office/drawing/2014/main" id="{D0939858-B3D7-444D-8677-A368C4CCF9D6}"/>
+              </a:ext>
+            </a:extLst>
+          </p:cNvPr>
+          <p:cNvSpPr/>
+          <p:nvPr/>
+        </p:nvSpPr>
+        <p:spPr>
+          <a:xfrm>
+            <a:off x="5367186" y="5106165"/>
+            <a:ext cx="4121928" cy="1079984"/>
+          </a:xfrm>
+          <a:prstGeom prst="rect">
+            <a:avLst/>
+          </a:prstGeom>
+          <a:noFill/>
+          <a:ln w="38100">
+            <a:solidFill>
+              <a:schemeClr val="tx1">
+                <a:lumMod val="50000"/>
+                <a:lumOff val="50000"/>
+              </a:schemeClr>
+            </a:solidFill>
+          </a:ln>
+        </p:spPr>
+        <p:style>
+          <a:lnRef idx="2">
+            <a:schemeClr val="accent1">
+              <a:shade val="50000"/>
+            </a:schemeClr>
+          </a:lnRef>
+          <a:fillRef idx="1">
+            <a:schemeClr val="accent1"/>
+          </a:fillRef>
+          <a:effectRef idx="0">
+            <a:schemeClr val="accent1"/>
+          </a:effectRef>
+          <a:fontRef idx="minor">
+            <a:schemeClr val="lt1"/>
+          </a:fontRef>
+        </p:style>
+        <p:txBody>
+          <a:bodyPr rtlCol="0" anchor="ctr"/>
+          <a:lstStyle/>
+          <a:p>
+            <a:pPr algn="ctr"/>
+            <a:endParaRPr lang="ru-RU">
+              <a:noFill/>
+            </a:endParaRPr>
+          </a:p>
+        </p:txBody>
+      </p:sp>
+    </p:spTree>
+    <p:extLst>
+      <p:ext uri="{BB962C8B-B14F-4D97-AF65-F5344CB8AC3E}">
+        <p14:creationId xmlns:p14="http://schemas.microsoft.com/office/powerpoint/2010/main" val="1879644737"/>
+      </p:ext>
+    </p:extLst>
+  </p:cSld>
+  <p:clrMapOvr>
+    <a:masterClrMapping/>
+  </p:clrMapOvr>
+</p:sld>
+</file>
+
+<file path=ppt/slides/slide21.xml><?xml version="1.0" encoding="utf-8"?>
+<p:sld xmlns:a="http://schemas.openxmlformats.org/drawingml/2006/main" xmlns:r="http://schemas.openxmlformats.org/officeDocument/2006/relationships" xmlns:p="http://schemas.openxmlformats.org/presentationml/2006/main">
+  <p:cSld>
+    <p:bg>
+      <p:bgPr>
+        <a:solidFill>
+          <a:schemeClr val="bg1"/>
+        </a:solidFill>
+        <a:effectLst/>
+      </p:bgPr>
+    </p:bg>
+    <p:spTree>
+      <p:nvGrpSpPr>
+        <p:cNvPr id="1" name=""/>
+        <p:cNvGrpSpPr/>
+        <p:nvPr/>
+      </p:nvGrpSpPr>
+      <p:grpSpPr>
+        <a:xfrm>
+          <a:off x="0" y="0"/>
+          <a:ext cx="0" cy="0"/>
+          <a:chOff x="0" y="0"/>
+          <a:chExt cx="0" cy="0"/>
+        </a:xfrm>
+      </p:grpSpPr>
       <p:sp useBgFill="1">
         <p:nvSpPr>
           <p:cNvPr id="135" name="Rectangle 134">
@@ -20085,7 +21650,7 @@
 </p:sld>
 </file>
 
-<file path=ppt/slides/slide21.xml><?xml version="1.0" encoding="utf-8"?>
+<file path=ppt/slides/slide22.xml><?xml version="1.0" encoding="utf-8"?>
 <p:sld xmlns:a="http://schemas.openxmlformats.org/drawingml/2006/main" xmlns:r="http://schemas.openxmlformats.org/officeDocument/2006/relationships" xmlns:p="http://schemas.openxmlformats.org/presentationml/2006/main">
   <p:cSld>
     <p:bg>
@@ -20412,8 +21977,8 @@
         </p:nvSpPr>
         <p:spPr>
           <a:xfrm>
-            <a:off x="603681" y="567153"/>
-            <a:ext cx="10289220" cy="2534027"/>
+            <a:off x="603680" y="567153"/>
+            <a:ext cx="10679837" cy="2956066"/>
           </a:xfrm>
           <a:prstGeom prst="rect">
             <a:avLst/>
@@ -20441,7 +22006,7 @@
                 <a:latin typeface="Arial" panose="020B0604020202020204" pitchFamily="34" charset="0"/>
                 <a:cs typeface="Arial" panose="020B0604020202020204" pitchFamily="34" charset="0"/>
               </a:rPr>
-              <a:t>1 Создать класс игрового персонажа</a:t>
+              <a:t>Создание класса обыкновенной дроби, состоящий из двух полей: числитель и знаменатель</a:t>
             </a:r>
           </a:p>
           <a:p>
@@ -20467,40 +22032,16 @@
               </a:lnSpc>
             </a:pPr>
             <a:r>
-              <a:rPr lang="ru-RU" dirty="0">
-                <a:solidFill>
-                  <a:schemeClr val="accent6">
+              <a:rPr lang="ru-RU" i="1" dirty="0">
+                <a:solidFill>
+                  <a:schemeClr val="accent2">
                     <a:lumMod val="75000"/>
                   </a:schemeClr>
                 </a:solidFill>
                 <a:latin typeface="Arial" panose="020B0604020202020204" pitchFamily="34" charset="0"/>
                 <a:cs typeface="Arial" panose="020B0604020202020204" pitchFamily="34" charset="0"/>
               </a:rPr>
-              <a:t>2 С помощью собственного класса и его переопределенного метода </a:t>
-            </a:r>
-            <a:r>
-              <a:rPr lang="en-US" dirty="0" err="1">
-                <a:solidFill>
-                  <a:schemeClr val="accent6">
-                    <a:lumMod val="75000"/>
-                  </a:schemeClr>
-                </a:solidFill>
-                <a:latin typeface="Arial" panose="020B0604020202020204" pitchFamily="34" charset="0"/>
-                <a:cs typeface="Arial" panose="020B0604020202020204" pitchFamily="34" charset="0"/>
-              </a:rPr>
-              <a:t>onDraw</a:t>
-            </a:r>
-            <a:r>
-              <a:rPr lang="en-US" dirty="0">
-                <a:solidFill>
-                  <a:schemeClr val="accent6">
-                    <a:lumMod val="75000"/>
-                  </a:schemeClr>
-                </a:solidFill>
-                <a:latin typeface="Arial" panose="020B0604020202020204" pitchFamily="34" charset="0"/>
-                <a:cs typeface="Arial" panose="020B0604020202020204" pitchFamily="34" charset="0"/>
-              </a:rPr>
-              <a:t>()</a:t>
+              <a:t>//Класс «Обыкновенная дробь»</a:t>
             </a:r>
           </a:p>
           <a:p>
@@ -20511,28 +22052,15 @@
             </a:pPr>
             <a:r>
               <a:rPr lang="en-US" dirty="0">
-                <a:solidFill>
-                  <a:schemeClr val="accent6">
-                    <a:lumMod val="75000"/>
-                  </a:schemeClr>
-                </a:solidFill>
                 <a:latin typeface="Arial" panose="020B0604020202020204" pitchFamily="34" charset="0"/>
                 <a:cs typeface="Arial" panose="020B0604020202020204" pitchFamily="34" charset="0"/>
               </a:rPr>
-              <a:t>   </a:t>
-            </a:r>
-            <a:r>
-              <a:rPr lang="ru-RU" dirty="0">
-                <a:solidFill>
-                  <a:schemeClr val="accent6">
-                    <a:lumMod val="75000"/>
-                  </a:schemeClr>
-                </a:solidFill>
-                <a:latin typeface="Arial" panose="020B0604020202020204" pitchFamily="34" charset="0"/>
-                <a:cs typeface="Arial" panose="020B0604020202020204" pitchFamily="34" charset="0"/>
-              </a:rPr>
-              <a:t>отрисовать несколько объектов созданного класса персонажа на холсте</a:t>
-            </a:r>
+              <a:t>public class Fraction {</a:t>
+            </a:r>
+            <a:endParaRPr lang="ru-RU" dirty="0">
+              <a:latin typeface="Arial" panose="020B0604020202020204" pitchFamily="34" charset="0"/>
+              <a:cs typeface="Arial" panose="020B0604020202020204" pitchFamily="34" charset="0"/>
+            </a:endParaRPr>
           </a:p>
           <a:p>
             <a:pPr>
@@ -20540,6 +22068,103 @@
                 <a:spcPct val="150000"/>
               </a:lnSpc>
             </a:pPr>
+            <a:r>
+              <a:rPr lang="ru-RU" dirty="0">
+                <a:latin typeface="Arial" panose="020B0604020202020204" pitchFamily="34" charset="0"/>
+                <a:cs typeface="Arial" panose="020B0604020202020204" pitchFamily="34" charset="0"/>
+              </a:rPr>
+              <a:t>	</a:t>
+            </a:r>
+            <a:r>
+              <a:rPr lang="en-US" dirty="0">
+                <a:latin typeface="Arial" panose="020B0604020202020204" pitchFamily="34" charset="0"/>
+                <a:cs typeface="Arial" panose="020B0604020202020204" pitchFamily="34" charset="0"/>
+              </a:rPr>
+              <a:t>int numerator; </a:t>
+            </a:r>
+            <a:r>
+              <a:rPr lang="en-US" i="1" dirty="0">
+                <a:solidFill>
+                  <a:schemeClr val="accent2">
+                    <a:lumMod val="75000"/>
+                  </a:schemeClr>
+                </a:solidFill>
+                <a:latin typeface="Arial" panose="020B0604020202020204" pitchFamily="34" charset="0"/>
+                <a:cs typeface="Arial" panose="020B0604020202020204" pitchFamily="34" charset="0"/>
+              </a:rPr>
+              <a:t>// </a:t>
+            </a:r>
+            <a:r>
+              <a:rPr lang="ru-RU" i="1" dirty="0">
+                <a:solidFill>
+                  <a:schemeClr val="accent2">
+                    <a:lumMod val="75000"/>
+                  </a:schemeClr>
+                </a:solidFill>
+                <a:latin typeface="Arial" panose="020B0604020202020204" pitchFamily="34" charset="0"/>
+                <a:cs typeface="Arial" panose="020B0604020202020204" pitchFamily="34" charset="0"/>
+              </a:rPr>
+              <a:t>Числитель</a:t>
+            </a:r>
+          </a:p>
+          <a:p>
+            <a:pPr>
+              <a:lnSpc>
+                <a:spcPct val="150000"/>
+              </a:lnSpc>
+            </a:pPr>
+            <a:r>
+              <a:rPr lang="ru-RU" i="1" dirty="0">
+                <a:latin typeface="Arial" panose="020B0604020202020204" pitchFamily="34" charset="0"/>
+                <a:cs typeface="Arial" panose="020B0604020202020204" pitchFamily="34" charset="0"/>
+              </a:rPr>
+              <a:t>	</a:t>
+            </a:r>
+            <a:r>
+              <a:rPr lang="en-US" dirty="0">
+                <a:latin typeface="Arial" panose="020B0604020202020204" pitchFamily="34" charset="0"/>
+                <a:cs typeface="Arial" panose="020B0604020202020204" pitchFamily="34" charset="0"/>
+              </a:rPr>
+              <a:t>int denominator; </a:t>
+            </a:r>
+            <a:r>
+              <a:rPr lang="en-US" i="1" dirty="0">
+                <a:solidFill>
+                  <a:schemeClr val="accent2">
+                    <a:lumMod val="75000"/>
+                  </a:schemeClr>
+                </a:solidFill>
+                <a:latin typeface="Arial" panose="020B0604020202020204" pitchFamily="34" charset="0"/>
+                <a:cs typeface="Arial" panose="020B0604020202020204" pitchFamily="34" charset="0"/>
+              </a:rPr>
+              <a:t>// </a:t>
+            </a:r>
+            <a:r>
+              <a:rPr lang="ru-RU" i="1" dirty="0">
+                <a:solidFill>
+                  <a:schemeClr val="accent2">
+                    <a:lumMod val="75000"/>
+                  </a:schemeClr>
+                </a:solidFill>
+                <a:latin typeface="Arial" panose="020B0604020202020204" pitchFamily="34" charset="0"/>
+                <a:cs typeface="Arial" panose="020B0604020202020204" pitchFamily="34" charset="0"/>
+              </a:rPr>
+              <a:t>Знаменатель</a:t>
+            </a:r>
+          </a:p>
+          <a:p>
+            <a:pPr>
+              <a:lnSpc>
+                <a:spcPct val="150000"/>
+              </a:lnSpc>
+            </a:pPr>
+            <a:r>
+              <a:rPr lang="ru-RU" dirty="0">
+                <a:latin typeface="Arial" panose="020B0604020202020204" pitchFamily="34" charset="0"/>
+                <a:cs typeface="Arial" panose="020B0604020202020204" pitchFamily="34" charset="0"/>
+              </a:rPr>
+              <a:t>}</a:t>
+            </a:r>
             <a:endParaRPr lang="ru-RU" dirty="0">
               <a:solidFill>
                 <a:schemeClr val="accent6">
@@ -20549,25 +22174,6 @@
               <a:latin typeface="Arial" panose="020B0604020202020204" pitchFamily="34" charset="0"/>
               <a:cs typeface="Arial" panose="020B0604020202020204" pitchFamily="34" charset="0"/>
             </a:endParaRPr>
-          </a:p>
-          <a:p>
-            <a:pPr>
-              <a:lnSpc>
-                <a:spcPct val="150000"/>
-              </a:lnSpc>
-            </a:pPr>
-            <a:r>
-              <a:rPr lang="ru-RU" dirty="0">
-                <a:solidFill>
-                  <a:schemeClr val="accent6">
-                    <a:lumMod val="75000"/>
-                  </a:schemeClr>
-                </a:solidFill>
-                <a:latin typeface="Arial" panose="020B0604020202020204" pitchFamily="34" charset="0"/>
-                <a:cs typeface="Arial" panose="020B0604020202020204" pitchFamily="34" charset="0"/>
-              </a:rPr>
-              <a:t> 3 Запрограммировать анимацию объектов персонажей в разных направлениях</a:t>
-            </a:r>
           </a:p>
         </p:txBody>
       </p:sp>
